--- a/Prez/Projeckt-N.pptx
+++ b/Prez/Projeckt-N.pptx
@@ -16,6 +16,10 @@
     <p:sldId id="264" r:id="rId10"/>
     <p:sldId id="265" r:id="rId11"/>
     <p:sldId id="266" r:id="rId12"/>
+    <p:sldId id="267" r:id="rId13"/>
+    <p:sldId id="268" r:id="rId14"/>
+    <p:sldId id="269" r:id="rId15"/>
+    <p:sldId id="270" r:id="rId16"/>
   </p:sldIdLst>
   <p:sldSz cx="12192000" cy="6858000"/>
   <p:notesSz cx="6858000" cy="9144000"/>
@@ -269,7 +273,7 @@
           <a:p>
             <a:fld id="{ED158059-97A9-4A65-82C5-D29D86D1CE6F}" type="datetimeFigureOut">
               <a:rPr lang="sk-SK" smtClean="0"/>
-              <a:t>12. 4. 2025</a:t>
+              <a:t>13. 4. 2025</a:t>
             </a:fld>
             <a:endParaRPr lang="sk-SK"/>
           </a:p>
@@ -467,7 +471,7 @@
           <a:p>
             <a:fld id="{ED158059-97A9-4A65-82C5-D29D86D1CE6F}" type="datetimeFigureOut">
               <a:rPr lang="sk-SK" smtClean="0"/>
-              <a:t>12. 4. 2025</a:t>
+              <a:t>13. 4. 2025</a:t>
             </a:fld>
             <a:endParaRPr lang="sk-SK"/>
           </a:p>
@@ -675,7 +679,7 @@
           <a:p>
             <a:fld id="{ED158059-97A9-4A65-82C5-D29D86D1CE6F}" type="datetimeFigureOut">
               <a:rPr lang="sk-SK" smtClean="0"/>
-              <a:t>12. 4. 2025</a:t>
+              <a:t>13. 4. 2025</a:t>
             </a:fld>
             <a:endParaRPr lang="sk-SK"/>
           </a:p>
@@ -873,7 +877,7 @@
           <a:p>
             <a:fld id="{ED158059-97A9-4A65-82C5-D29D86D1CE6F}" type="datetimeFigureOut">
               <a:rPr lang="sk-SK" smtClean="0"/>
-              <a:t>12. 4. 2025</a:t>
+              <a:t>13. 4. 2025</a:t>
             </a:fld>
             <a:endParaRPr lang="sk-SK"/>
           </a:p>
@@ -1148,7 +1152,7 @@
           <a:p>
             <a:fld id="{ED158059-97A9-4A65-82C5-D29D86D1CE6F}" type="datetimeFigureOut">
               <a:rPr lang="sk-SK" smtClean="0"/>
-              <a:t>12. 4. 2025</a:t>
+              <a:t>13. 4. 2025</a:t>
             </a:fld>
             <a:endParaRPr lang="sk-SK"/>
           </a:p>
@@ -1413,7 +1417,7 @@
           <a:p>
             <a:fld id="{ED158059-97A9-4A65-82C5-D29D86D1CE6F}" type="datetimeFigureOut">
               <a:rPr lang="sk-SK" smtClean="0"/>
-              <a:t>12. 4. 2025</a:t>
+              <a:t>13. 4. 2025</a:t>
             </a:fld>
             <a:endParaRPr lang="sk-SK"/>
           </a:p>
@@ -1825,7 +1829,7 @@
           <a:p>
             <a:fld id="{ED158059-97A9-4A65-82C5-D29D86D1CE6F}" type="datetimeFigureOut">
               <a:rPr lang="sk-SK" smtClean="0"/>
-              <a:t>12. 4. 2025</a:t>
+              <a:t>13. 4. 2025</a:t>
             </a:fld>
             <a:endParaRPr lang="sk-SK"/>
           </a:p>
@@ -1966,7 +1970,7 @@
           <a:p>
             <a:fld id="{ED158059-97A9-4A65-82C5-D29D86D1CE6F}" type="datetimeFigureOut">
               <a:rPr lang="sk-SK" smtClean="0"/>
-              <a:t>12. 4. 2025</a:t>
+              <a:t>13. 4. 2025</a:t>
             </a:fld>
             <a:endParaRPr lang="sk-SK"/>
           </a:p>
@@ -2079,7 +2083,7 @@
           <a:p>
             <a:fld id="{ED158059-97A9-4A65-82C5-D29D86D1CE6F}" type="datetimeFigureOut">
               <a:rPr lang="sk-SK" smtClean="0"/>
-              <a:t>12. 4. 2025</a:t>
+              <a:t>13. 4. 2025</a:t>
             </a:fld>
             <a:endParaRPr lang="sk-SK"/>
           </a:p>
@@ -2390,7 +2394,7 @@
           <a:p>
             <a:fld id="{ED158059-97A9-4A65-82C5-D29D86D1CE6F}" type="datetimeFigureOut">
               <a:rPr lang="sk-SK" smtClean="0"/>
-              <a:t>12. 4. 2025</a:t>
+              <a:t>13. 4. 2025</a:t>
             </a:fld>
             <a:endParaRPr lang="sk-SK"/>
           </a:p>
@@ -2678,7 +2682,7 @@
           <a:p>
             <a:fld id="{ED158059-97A9-4A65-82C5-D29D86D1CE6F}" type="datetimeFigureOut">
               <a:rPr lang="sk-SK" smtClean="0"/>
-              <a:t>12. 4. 2025</a:t>
+              <a:t>13. 4. 2025</a:t>
             </a:fld>
             <a:endParaRPr lang="sk-SK"/>
           </a:p>
@@ -2919,7 +2923,7 @@
           <a:p>
             <a:fld id="{ED158059-97A9-4A65-82C5-D29D86D1CE6F}" type="datetimeFigureOut">
               <a:rPr lang="sk-SK" smtClean="0"/>
-              <a:t>12. 4. 2025</a:t>
+              <a:t>13. 4. 2025</a:t>
             </a:fld>
             <a:endParaRPr lang="sk-SK"/>
           </a:p>
@@ -3908,12 +3912,577 @@
               <a:t>Pohyb Hráča</a:t>
             </a:r>
           </a:p>
+          <a:p>
+            <a:r>
+              <a:rPr lang="sk-SK" dirty="0"/>
+              <a:t>Lezenie po stenách</a:t>
+            </a:r>
+          </a:p>
+          <a:p>
+            <a:r>
+              <a:rPr lang="sk-SK" dirty="0"/>
+              <a:t>Tlačenie objektov</a:t>
+            </a:r>
+          </a:p>
+          <a:p>
+            <a:r>
+              <a:rPr lang="sk-SK" dirty="0"/>
+              <a:t>Zlepšenia a návrhy na optimalizáciu</a:t>
+            </a:r>
+          </a:p>
+          <a:p>
+            <a:endParaRPr lang="sk-SK" dirty="0"/>
+          </a:p>
         </p:txBody>
       </p:sp>
     </p:spTree>
     <p:extLst>
       <p:ext uri="{BB962C8B-B14F-4D97-AF65-F5344CB8AC3E}">
         <p14:creationId xmlns:p14="http://schemas.microsoft.com/office/powerpoint/2010/main" val="3011199609"/>
+      </p:ext>
+    </p:extLst>
+  </p:cSld>
+  <p:clrMapOvr>
+    <a:masterClrMapping/>
+  </p:clrMapOvr>
+</p:sld>
+</file>
+
+<file path=ppt/slides/slide12.xml><?xml version="1.0" encoding="utf-8"?>
+<p:sld xmlns:a="http://schemas.openxmlformats.org/drawingml/2006/main" xmlns:r="http://schemas.openxmlformats.org/officeDocument/2006/relationships" xmlns:p="http://schemas.openxmlformats.org/presentationml/2006/main">
+  <p:cSld>
+    <p:spTree>
+      <p:nvGrpSpPr>
+        <p:cNvPr id="1" name=""/>
+        <p:cNvGrpSpPr/>
+        <p:nvPr/>
+      </p:nvGrpSpPr>
+      <p:grpSpPr>
+        <a:xfrm>
+          <a:off x="0" y="0"/>
+          <a:ext cx="0" cy="0"/>
+          <a:chOff x="0" y="0"/>
+          <a:chExt cx="0" cy="0"/>
+        </a:xfrm>
+      </p:grpSpPr>
+      <p:sp>
+        <p:nvSpPr>
+          <p:cNvPr id="2" name="Nadpis 1">
+            <a:extLst>
+              <a:ext uri="{FF2B5EF4-FFF2-40B4-BE49-F238E27FC236}">
+                <a16:creationId xmlns:a16="http://schemas.microsoft.com/office/drawing/2014/main" id="{DEC4DC10-6116-CB7A-F88E-D91E1C066351}"/>
+              </a:ext>
+            </a:extLst>
+          </p:cNvPr>
+          <p:cNvSpPr>
+            <a:spLocks noGrp="1"/>
+          </p:cNvSpPr>
+          <p:nvPr>
+            <p:ph type="title"/>
+          </p:nvPr>
+        </p:nvSpPr>
+        <p:spPr/>
+        <p:txBody>
+          <a:bodyPr/>
+          <a:lstStyle/>
+          <a:p>
+            <a:r>
+              <a:rPr lang="sk-SK" dirty="0"/>
+              <a:t>Mechanizmus prepínania stavov rozhodovacej mechaniky hry</a:t>
+            </a:r>
+          </a:p>
+        </p:txBody>
+      </p:sp>
+      <p:sp>
+        <p:nvSpPr>
+          <p:cNvPr id="3" name="Zástupný objekt pre obsah 2">
+            <a:extLst>
+              <a:ext uri="{FF2B5EF4-FFF2-40B4-BE49-F238E27FC236}">
+                <a16:creationId xmlns:a16="http://schemas.microsoft.com/office/drawing/2014/main" id="{1F02DAEE-B712-F3B5-285D-F124464DBAE9}"/>
+              </a:ext>
+            </a:extLst>
+          </p:cNvPr>
+          <p:cNvSpPr>
+            <a:spLocks noGrp="1"/>
+          </p:cNvSpPr>
+          <p:nvPr>
+            <p:ph idx="1"/>
+          </p:nvPr>
+        </p:nvSpPr>
+        <p:spPr/>
+        <p:txBody>
+          <a:bodyPr/>
+          <a:lstStyle/>
+          <a:p>
+            <a:r>
+              <a:rPr lang="pl-PL" dirty="0"/>
+              <a:t>Rozdelenie tried a ich funkcie</a:t>
+            </a:r>
+          </a:p>
+          <a:p>
+            <a:pPr lvl="1"/>
+            <a:r>
+              <a:rPr lang="sk-SK" dirty="0" err="1"/>
+              <a:t>StacionaryState</a:t>
+            </a:r>
+            <a:endParaRPr lang="sk-SK" dirty="0"/>
+          </a:p>
+          <a:p>
+            <a:pPr lvl="1"/>
+            <a:r>
+              <a:rPr lang="sk-SK" dirty="0" err="1"/>
+              <a:t>ChaseState</a:t>
+            </a:r>
+            <a:endParaRPr lang="sk-SK" dirty="0"/>
+          </a:p>
+          <a:p>
+            <a:pPr lvl="1"/>
+            <a:r>
+              <a:rPr lang="sk-SK" dirty="0" err="1"/>
+              <a:t>LostState</a:t>
+            </a:r>
+            <a:endParaRPr lang="sk-SK" dirty="0"/>
+          </a:p>
+          <a:p>
+            <a:pPr lvl="1"/>
+            <a:r>
+              <a:rPr lang="sk-SK" dirty="0"/>
+              <a:t>Trieda </a:t>
+            </a:r>
+            <a:r>
+              <a:rPr lang="sk-SK" dirty="0" err="1"/>
+              <a:t>Enemy</a:t>
+            </a:r>
+            <a:endParaRPr lang="sk-SK" dirty="0"/>
+          </a:p>
+          <a:p>
+            <a:r>
+              <a:rPr lang="sk-SK" dirty="0"/>
+              <a:t>Možné vylepšenia</a:t>
+            </a:r>
+          </a:p>
+        </p:txBody>
+      </p:sp>
+    </p:spTree>
+    <p:extLst>
+      <p:ext uri="{BB962C8B-B14F-4D97-AF65-F5344CB8AC3E}">
+        <p14:creationId xmlns:p14="http://schemas.microsoft.com/office/powerpoint/2010/main" val="2112548737"/>
+      </p:ext>
+    </p:extLst>
+  </p:cSld>
+  <p:clrMapOvr>
+    <a:masterClrMapping/>
+  </p:clrMapOvr>
+</p:sld>
+</file>
+
+<file path=ppt/slides/slide13.xml><?xml version="1.0" encoding="utf-8"?>
+<p:sld xmlns:a="http://schemas.openxmlformats.org/drawingml/2006/main" xmlns:r="http://schemas.openxmlformats.org/officeDocument/2006/relationships" xmlns:p="http://schemas.openxmlformats.org/presentationml/2006/main">
+  <p:cSld>
+    <p:spTree>
+      <p:nvGrpSpPr>
+        <p:cNvPr id="1" name=""/>
+        <p:cNvGrpSpPr/>
+        <p:nvPr/>
+      </p:nvGrpSpPr>
+      <p:grpSpPr>
+        <a:xfrm>
+          <a:off x="0" y="0"/>
+          <a:ext cx="0" cy="0"/>
+          <a:chOff x="0" y="0"/>
+          <a:chExt cx="0" cy="0"/>
+        </a:xfrm>
+      </p:grpSpPr>
+      <p:sp>
+        <p:nvSpPr>
+          <p:cNvPr id="2" name="Nadpis 1">
+            <a:extLst>
+              <a:ext uri="{FF2B5EF4-FFF2-40B4-BE49-F238E27FC236}">
+                <a16:creationId xmlns:a16="http://schemas.microsoft.com/office/drawing/2014/main" id="{92AF62AB-4B19-66C1-022E-58AA876991CD}"/>
+              </a:ext>
+            </a:extLst>
+          </p:cNvPr>
+          <p:cNvSpPr>
+            <a:spLocks noGrp="1"/>
+          </p:cNvSpPr>
+          <p:nvPr>
+            <p:ph type="title"/>
+          </p:nvPr>
+        </p:nvSpPr>
+        <p:spPr/>
+        <p:txBody>
+          <a:bodyPr/>
+          <a:lstStyle/>
+          <a:p>
+            <a:r>
+              <a:rPr lang="sk-SK" dirty="0"/>
+              <a:t>Systém na vykresľovanie grafických detailov</a:t>
+            </a:r>
+          </a:p>
+        </p:txBody>
+      </p:sp>
+      <p:sp>
+        <p:nvSpPr>
+          <p:cNvPr id="3" name="Zástupný objekt pre obsah 2">
+            <a:extLst>
+              <a:ext uri="{FF2B5EF4-FFF2-40B4-BE49-F238E27FC236}">
+                <a16:creationId xmlns:a16="http://schemas.microsoft.com/office/drawing/2014/main" id="{501021C1-016B-3844-91CE-186BA49EFBCB}"/>
+              </a:ext>
+            </a:extLst>
+          </p:cNvPr>
+          <p:cNvSpPr>
+            <a:spLocks noGrp="1"/>
+          </p:cNvSpPr>
+          <p:nvPr>
+            <p:ph idx="1"/>
+          </p:nvPr>
+        </p:nvSpPr>
+        <p:spPr/>
+        <p:txBody>
+          <a:bodyPr/>
+          <a:lstStyle/>
+          <a:p>
+            <a:r>
+              <a:rPr lang="sk-SK" dirty="0"/>
+              <a:t>Čo je to LOD</a:t>
+            </a:r>
+          </a:p>
+          <a:p>
+            <a:r>
+              <a:rPr lang="sk-SK" dirty="0"/>
+              <a:t>Ako </a:t>
+            </a:r>
+            <a:r>
+              <a:rPr lang="sk-SK" dirty="0" err="1"/>
+              <a:t>Unity</a:t>
+            </a:r>
+            <a:r>
+              <a:rPr lang="sk-SK" dirty="0"/>
+              <a:t> implementuje LOD?</a:t>
+            </a:r>
+          </a:p>
+          <a:p>
+            <a:r>
+              <a:rPr lang="sk-SK" dirty="0"/>
+              <a:t>Ako generovať LOD automaticky?</a:t>
+            </a:r>
+          </a:p>
+        </p:txBody>
+      </p:sp>
+    </p:spTree>
+    <p:extLst>
+      <p:ext uri="{BB962C8B-B14F-4D97-AF65-F5344CB8AC3E}">
+        <p14:creationId xmlns:p14="http://schemas.microsoft.com/office/powerpoint/2010/main" val="982929597"/>
+      </p:ext>
+    </p:extLst>
+  </p:cSld>
+  <p:clrMapOvr>
+    <a:masterClrMapping/>
+  </p:clrMapOvr>
+</p:sld>
+</file>
+
+<file path=ppt/slides/slide14.xml><?xml version="1.0" encoding="utf-8"?>
+<p:sld xmlns:a="http://schemas.openxmlformats.org/drawingml/2006/main" xmlns:r="http://schemas.openxmlformats.org/officeDocument/2006/relationships" xmlns:p="http://schemas.openxmlformats.org/presentationml/2006/main">
+  <p:cSld>
+    <p:spTree>
+      <p:nvGrpSpPr>
+        <p:cNvPr id="1" name=""/>
+        <p:cNvGrpSpPr/>
+        <p:nvPr/>
+      </p:nvGrpSpPr>
+      <p:grpSpPr>
+        <a:xfrm>
+          <a:off x="0" y="0"/>
+          <a:ext cx="0" cy="0"/>
+          <a:chOff x="0" y="0"/>
+          <a:chExt cx="0" cy="0"/>
+        </a:xfrm>
+      </p:grpSpPr>
+      <p:sp>
+        <p:nvSpPr>
+          <p:cNvPr id="2" name="Nadpis 1">
+            <a:extLst>
+              <a:ext uri="{FF2B5EF4-FFF2-40B4-BE49-F238E27FC236}">
+                <a16:creationId xmlns:a16="http://schemas.microsoft.com/office/drawing/2014/main" id="{BFE6B829-0FC6-A47B-E5BF-6B015C93EFD8}"/>
+              </a:ext>
+            </a:extLst>
+          </p:cNvPr>
+          <p:cNvSpPr>
+            <a:spLocks noGrp="1"/>
+          </p:cNvSpPr>
+          <p:nvPr>
+            <p:ph type="title"/>
+          </p:nvPr>
+        </p:nvSpPr>
+        <p:spPr/>
+        <p:txBody>
+          <a:bodyPr/>
+          <a:lstStyle/>
+          <a:p>
+            <a:r>
+              <a:rPr lang="sk-SK" dirty="0"/>
+              <a:t>Navrhnite systém renderovania objektov</a:t>
+            </a:r>
+          </a:p>
+        </p:txBody>
+      </p:sp>
+      <p:sp>
+        <p:nvSpPr>
+          <p:cNvPr id="3" name="Zástupný objekt pre obsah 2">
+            <a:extLst>
+              <a:ext uri="{FF2B5EF4-FFF2-40B4-BE49-F238E27FC236}">
+                <a16:creationId xmlns:a16="http://schemas.microsoft.com/office/drawing/2014/main" id="{CA9BB2F0-CBCA-85CD-4266-7FFCB6D77CD0}"/>
+              </a:ext>
+            </a:extLst>
+          </p:cNvPr>
+          <p:cNvSpPr>
+            <a:spLocks noGrp="1"/>
+          </p:cNvSpPr>
+          <p:nvPr>
+            <p:ph idx="1"/>
+          </p:nvPr>
+        </p:nvSpPr>
+        <p:spPr/>
+        <p:txBody>
+          <a:bodyPr/>
+          <a:lstStyle/>
+          <a:p>
+            <a:r>
+              <a:rPr lang="sk-SK" dirty="0"/>
+              <a:t>Čo je </a:t>
+            </a:r>
+            <a:r>
+              <a:rPr lang="sk-SK" dirty="0" err="1"/>
+              <a:t>Occlusion</a:t>
+            </a:r>
+            <a:r>
+              <a:rPr lang="sk-SK" dirty="0"/>
+              <a:t> </a:t>
+            </a:r>
+            <a:r>
+              <a:rPr lang="sk-SK" dirty="0" err="1"/>
+              <a:t>Culling</a:t>
+            </a:r>
+            <a:r>
+              <a:rPr lang="sk-SK" dirty="0"/>
+              <a:t>?</a:t>
+            </a:r>
+          </a:p>
+          <a:p>
+            <a:r>
+              <a:rPr lang="sk-SK" dirty="0"/>
+              <a:t>Ako funguje </a:t>
+            </a:r>
+            <a:r>
+              <a:rPr lang="sk-SK" dirty="0" err="1"/>
+              <a:t>Occlusion</a:t>
+            </a:r>
+            <a:r>
+              <a:rPr lang="sk-SK" dirty="0"/>
+              <a:t> </a:t>
+            </a:r>
+            <a:r>
+              <a:rPr lang="sk-SK" dirty="0" err="1"/>
+              <a:t>Culling</a:t>
+            </a:r>
+            <a:r>
+              <a:rPr lang="sk-SK" dirty="0"/>
+              <a:t>?</a:t>
+            </a:r>
+          </a:p>
+          <a:p>
+            <a:r>
+              <a:rPr lang="sk-SK" dirty="0"/>
+              <a:t>Bake proces</a:t>
+            </a:r>
+          </a:p>
+          <a:p>
+            <a:r>
+              <a:rPr lang="sk-SK" dirty="0"/>
+              <a:t>Optimalizácia </a:t>
+            </a:r>
+            <a:r>
+              <a:rPr lang="sk-SK" dirty="0" err="1"/>
+              <a:t>Occlusion</a:t>
+            </a:r>
+            <a:r>
+              <a:rPr lang="sk-SK" dirty="0"/>
+              <a:t> </a:t>
+            </a:r>
+            <a:r>
+              <a:rPr lang="sk-SK" dirty="0" err="1"/>
+              <a:t>Culling</a:t>
+            </a:r>
+            <a:endParaRPr lang="sk-SK" dirty="0"/>
+          </a:p>
+          <a:p>
+            <a:r>
+              <a:rPr lang="en-US" dirty="0" err="1"/>
+              <a:t>Výhody</a:t>
+            </a:r>
+            <a:r>
+              <a:rPr lang="en-US" dirty="0"/>
+              <a:t> a </a:t>
+            </a:r>
+            <a:r>
+              <a:rPr lang="en-US" dirty="0" err="1"/>
+              <a:t>nevýhody</a:t>
+            </a:r>
+            <a:r>
+              <a:rPr lang="en-US" dirty="0"/>
+              <a:t> Occlusion Culling</a:t>
+            </a:r>
+            <a:endParaRPr lang="sk-SK" dirty="0"/>
+          </a:p>
+        </p:txBody>
+      </p:sp>
+    </p:spTree>
+    <p:extLst>
+      <p:ext uri="{BB962C8B-B14F-4D97-AF65-F5344CB8AC3E}">
+        <p14:creationId xmlns:p14="http://schemas.microsoft.com/office/powerpoint/2010/main" val="900615437"/>
+      </p:ext>
+    </p:extLst>
+  </p:cSld>
+  <p:clrMapOvr>
+    <a:masterClrMapping/>
+  </p:clrMapOvr>
+</p:sld>
+</file>
+
+<file path=ppt/slides/slide15.xml><?xml version="1.0" encoding="utf-8"?>
+<p:sld xmlns:a="http://schemas.openxmlformats.org/drawingml/2006/main" xmlns:r="http://schemas.openxmlformats.org/officeDocument/2006/relationships" xmlns:p="http://schemas.openxmlformats.org/presentationml/2006/main">
+  <p:cSld>
+    <p:spTree>
+      <p:nvGrpSpPr>
+        <p:cNvPr id="1" name=""/>
+        <p:cNvGrpSpPr/>
+        <p:nvPr/>
+      </p:nvGrpSpPr>
+      <p:grpSpPr>
+        <a:xfrm>
+          <a:off x="0" y="0"/>
+          <a:ext cx="0" cy="0"/>
+          <a:chOff x="0" y="0"/>
+          <a:chExt cx="0" cy="0"/>
+        </a:xfrm>
+      </p:grpSpPr>
+      <p:sp>
+        <p:nvSpPr>
+          <p:cNvPr id="2" name="Nadpis 1">
+            <a:extLst>
+              <a:ext uri="{FF2B5EF4-FFF2-40B4-BE49-F238E27FC236}">
+                <a16:creationId xmlns:a16="http://schemas.microsoft.com/office/drawing/2014/main" id="{EEFEF207-7384-0DDD-DE64-3ECCAA38EC94}"/>
+              </a:ext>
+            </a:extLst>
+          </p:cNvPr>
+          <p:cNvSpPr>
+            <a:spLocks noGrp="1"/>
+          </p:cNvSpPr>
+          <p:nvPr>
+            <p:ph type="title"/>
+          </p:nvPr>
+        </p:nvSpPr>
+        <p:spPr/>
+        <p:txBody>
+          <a:bodyPr/>
+          <a:lstStyle/>
+          <a:p>
+            <a:r>
+              <a:rPr lang="sk-SK" dirty="0"/>
+              <a:t>Analýzu trhu</a:t>
+            </a:r>
+          </a:p>
+        </p:txBody>
+      </p:sp>
+      <p:sp>
+        <p:nvSpPr>
+          <p:cNvPr id="3" name="Zástupný objekt pre obsah 2">
+            <a:extLst>
+              <a:ext uri="{FF2B5EF4-FFF2-40B4-BE49-F238E27FC236}">
+                <a16:creationId xmlns:a16="http://schemas.microsoft.com/office/drawing/2014/main" id="{A3E85404-7447-C788-147F-DC5EB6D9E11D}"/>
+              </a:ext>
+            </a:extLst>
+          </p:cNvPr>
+          <p:cNvSpPr>
+            <a:spLocks noGrp="1"/>
+          </p:cNvSpPr>
+          <p:nvPr>
+            <p:ph idx="1"/>
+          </p:nvPr>
+        </p:nvSpPr>
+        <p:spPr/>
+        <p:txBody>
+          <a:bodyPr>
+            <a:normAutofit fontScale="92500" lnSpcReduction="20000"/>
+          </a:bodyPr>
+          <a:lstStyle/>
+          <a:p>
+            <a:r>
+              <a:rPr lang="sk-SK" dirty="0"/>
+              <a:t>Definovanie žánru hry</a:t>
+            </a:r>
+          </a:p>
+          <a:p>
+            <a:r>
+              <a:rPr lang="sk-SK" dirty="0"/>
+              <a:t>Cieľová skupina</a:t>
+            </a:r>
+          </a:p>
+          <a:p>
+            <a:r>
+              <a:rPr lang="sk-SK" dirty="0"/>
+              <a:t>Trendy v hernom priemysle</a:t>
+            </a:r>
+          </a:p>
+          <a:p>
+            <a:r>
+              <a:rPr lang="sk-SK" dirty="0"/>
+              <a:t>Analýza konkurencie</a:t>
+            </a:r>
+          </a:p>
+          <a:p>
+            <a:r>
+              <a:rPr lang="sk-SK" dirty="0"/>
+              <a:t>Distribúcia a platformy</a:t>
+            </a:r>
+          </a:p>
+          <a:p>
+            <a:r>
+              <a:rPr lang="sk-SK" dirty="0"/>
+              <a:t>Predikcia vývoja trhu</a:t>
+            </a:r>
+          </a:p>
+          <a:p>
+            <a:r>
+              <a:rPr lang="sk-SK" dirty="0"/>
+              <a:t>SWOT analýza</a:t>
+            </a:r>
+          </a:p>
+          <a:p>
+            <a:r>
+              <a:rPr lang="sk-SK" dirty="0"/>
+              <a:t>Marketingová stratégia</a:t>
+            </a:r>
+          </a:p>
+          <a:p>
+            <a:r>
+              <a:rPr lang="sk-SK" dirty="0"/>
+              <a:t>Finančné aspekty</a:t>
+            </a:r>
+          </a:p>
+          <a:p>
+            <a:r>
+              <a:rPr lang="sk-SK" dirty="0"/>
+              <a:t>Riziká a výzvy</a:t>
+            </a:r>
+          </a:p>
+        </p:txBody>
+      </p:sp>
+    </p:spTree>
+    <p:extLst>
+      <p:ext uri="{BB962C8B-B14F-4D97-AF65-F5344CB8AC3E}">
+        <p14:creationId xmlns:p14="http://schemas.microsoft.com/office/powerpoint/2010/main" val="3534189054"/>
       </p:ext>
     </p:extLst>
   </p:cSld>
